--- a/team_01.pptx
+++ b/team_01.pptx
@@ -6,13 +6,16 @@
   </p:sldMasterIdLst>
   <p:sldIdLst>
     <p:sldId id="256" r:id="rId2"/>
-    <p:sldId id="261" r:id="rId3"/>
-    <p:sldId id="257" r:id="rId4"/>
-    <p:sldId id="258" r:id="rId5"/>
-    <p:sldId id="262" r:id="rId6"/>
-    <p:sldId id="259" r:id="rId7"/>
-    <p:sldId id="260" r:id="rId8"/>
-    <p:sldId id="263" r:id="rId9"/>
+    <p:sldId id="266" r:id="rId3"/>
+    <p:sldId id="261" r:id="rId4"/>
+    <p:sldId id="257" r:id="rId5"/>
+    <p:sldId id="258" r:id="rId6"/>
+    <p:sldId id="264" r:id="rId7"/>
+    <p:sldId id="265" r:id="rId8"/>
+    <p:sldId id="259" r:id="rId9"/>
+    <p:sldId id="260" r:id="rId10"/>
+    <p:sldId id="263" r:id="rId11"/>
+    <p:sldId id="267" r:id="rId12"/>
   </p:sldIdLst>
   <p:sldSz cx="9144000" cy="5143500" type="screen16x9"/>
   <p:notesSz cx="6858000" cy="9144000"/>
@@ -295,7 +298,8 @@
           <a:p>
             <a:fld id="{411EEA48-81E0-4111-B3A6-EFDB522AC3DA}" type="datetimeFigureOut">
               <a:rPr lang="en-US" smtClean="0"/>
-              <a:t>30-Aug-13</a:t>
+              <a:pPr/>
+              <a:t>9/5/2013</a:t>
             </a:fld>
             <a:endParaRPr lang="en-US"/>
           </a:p>
@@ -337,6 +341,7 @@
           <a:p>
             <a:fld id="{A9D5737B-ACDC-4D4E-92CE-2830BABE10BB}" type="slidenum">
               <a:rPr lang="en-US" smtClean="0"/>
+              <a:pPr/>
               <a:t>‹#›</a:t>
             </a:fld>
             <a:endParaRPr lang="en-US"/>
@@ -460,7 +465,8 @@
           <a:p>
             <a:fld id="{411EEA48-81E0-4111-B3A6-EFDB522AC3DA}" type="datetimeFigureOut">
               <a:rPr lang="en-US" smtClean="0"/>
-              <a:t>30-Aug-13</a:t>
+              <a:pPr/>
+              <a:t>9/5/2013</a:t>
             </a:fld>
             <a:endParaRPr lang="en-US"/>
           </a:p>
@@ -502,6 +508,7 @@
           <a:p>
             <a:fld id="{A9D5737B-ACDC-4D4E-92CE-2830BABE10BB}" type="slidenum">
               <a:rPr lang="en-US" smtClean="0"/>
+              <a:pPr/>
               <a:t>‹#›</a:t>
             </a:fld>
             <a:endParaRPr lang="en-US"/>
@@ -635,7 +642,8 @@
           <a:p>
             <a:fld id="{411EEA48-81E0-4111-B3A6-EFDB522AC3DA}" type="datetimeFigureOut">
               <a:rPr lang="en-US" smtClean="0"/>
-              <a:t>30-Aug-13</a:t>
+              <a:pPr/>
+              <a:t>9/5/2013</a:t>
             </a:fld>
             <a:endParaRPr lang="en-US"/>
           </a:p>
@@ -677,6 +685,7 @@
           <a:p>
             <a:fld id="{A9D5737B-ACDC-4D4E-92CE-2830BABE10BB}" type="slidenum">
               <a:rPr lang="en-US" smtClean="0"/>
+              <a:pPr/>
               <a:t>‹#›</a:t>
             </a:fld>
             <a:endParaRPr lang="en-US"/>
@@ -800,7 +809,8 @@
           <a:p>
             <a:fld id="{411EEA48-81E0-4111-B3A6-EFDB522AC3DA}" type="datetimeFigureOut">
               <a:rPr lang="en-US" smtClean="0"/>
-              <a:t>30-Aug-13</a:t>
+              <a:pPr/>
+              <a:t>9/5/2013</a:t>
             </a:fld>
             <a:endParaRPr lang="en-US"/>
           </a:p>
@@ -842,6 +852,7 @@
           <a:p>
             <a:fld id="{A9D5737B-ACDC-4D4E-92CE-2830BABE10BB}" type="slidenum">
               <a:rPr lang="en-US" smtClean="0"/>
+              <a:pPr/>
               <a:t>‹#›</a:t>
             </a:fld>
             <a:endParaRPr lang="en-US"/>
@@ -1041,7 +1052,8 @@
           <a:p>
             <a:fld id="{411EEA48-81E0-4111-B3A6-EFDB522AC3DA}" type="datetimeFigureOut">
               <a:rPr lang="en-US" smtClean="0"/>
-              <a:t>30-Aug-13</a:t>
+              <a:pPr/>
+              <a:t>9/5/2013</a:t>
             </a:fld>
             <a:endParaRPr lang="en-US"/>
           </a:p>
@@ -1083,6 +1095,7 @@
           <a:p>
             <a:fld id="{A9D5737B-ACDC-4D4E-92CE-2830BABE10BB}" type="slidenum">
               <a:rPr lang="en-US" smtClean="0"/>
+              <a:pPr/>
               <a:t>‹#›</a:t>
             </a:fld>
             <a:endParaRPr lang="en-US"/>
@@ -1324,7 +1337,8 @@
           <a:p>
             <a:fld id="{411EEA48-81E0-4111-B3A6-EFDB522AC3DA}" type="datetimeFigureOut">
               <a:rPr lang="en-US" smtClean="0"/>
-              <a:t>30-Aug-13</a:t>
+              <a:pPr/>
+              <a:t>9/5/2013</a:t>
             </a:fld>
             <a:endParaRPr lang="en-US"/>
           </a:p>
@@ -1366,6 +1380,7 @@
           <a:p>
             <a:fld id="{A9D5737B-ACDC-4D4E-92CE-2830BABE10BB}" type="slidenum">
               <a:rPr lang="en-US" smtClean="0"/>
+              <a:pPr/>
               <a:t>‹#›</a:t>
             </a:fld>
             <a:endParaRPr lang="en-US"/>
@@ -1741,7 +1756,8 @@
           <a:p>
             <a:fld id="{411EEA48-81E0-4111-B3A6-EFDB522AC3DA}" type="datetimeFigureOut">
               <a:rPr lang="en-US" smtClean="0"/>
-              <a:t>30-Aug-13</a:t>
+              <a:pPr/>
+              <a:t>9/5/2013</a:t>
             </a:fld>
             <a:endParaRPr lang="en-US"/>
           </a:p>
@@ -1783,6 +1799,7 @@
           <a:p>
             <a:fld id="{A9D5737B-ACDC-4D4E-92CE-2830BABE10BB}" type="slidenum">
               <a:rPr lang="en-US" smtClean="0"/>
+              <a:pPr/>
               <a:t>‹#›</a:t>
             </a:fld>
             <a:endParaRPr lang="en-US"/>
@@ -1854,7 +1871,8 @@
           <a:p>
             <a:fld id="{411EEA48-81E0-4111-B3A6-EFDB522AC3DA}" type="datetimeFigureOut">
               <a:rPr lang="en-US" smtClean="0"/>
-              <a:t>30-Aug-13</a:t>
+              <a:pPr/>
+              <a:t>9/5/2013</a:t>
             </a:fld>
             <a:endParaRPr lang="en-US"/>
           </a:p>
@@ -1896,6 +1914,7 @@
           <a:p>
             <a:fld id="{A9D5737B-ACDC-4D4E-92CE-2830BABE10BB}" type="slidenum">
               <a:rPr lang="en-US" smtClean="0"/>
+              <a:pPr/>
               <a:t>‹#›</a:t>
             </a:fld>
             <a:endParaRPr lang="en-US"/>
@@ -1944,7 +1963,8 @@
           <a:p>
             <a:fld id="{411EEA48-81E0-4111-B3A6-EFDB522AC3DA}" type="datetimeFigureOut">
               <a:rPr lang="en-US" smtClean="0"/>
-              <a:t>30-Aug-13</a:t>
+              <a:pPr/>
+              <a:t>9/5/2013</a:t>
             </a:fld>
             <a:endParaRPr lang="en-US"/>
           </a:p>
@@ -1986,6 +2006,7 @@
           <a:p>
             <a:fld id="{A9D5737B-ACDC-4D4E-92CE-2830BABE10BB}" type="slidenum">
               <a:rPr lang="en-US" smtClean="0"/>
+              <a:pPr/>
               <a:t>‹#›</a:t>
             </a:fld>
             <a:endParaRPr lang="en-US"/>
@@ -2216,7 +2237,8 @@
           <a:p>
             <a:fld id="{411EEA48-81E0-4111-B3A6-EFDB522AC3DA}" type="datetimeFigureOut">
               <a:rPr lang="en-US" smtClean="0"/>
-              <a:t>30-Aug-13</a:t>
+              <a:pPr/>
+              <a:t>9/5/2013</a:t>
             </a:fld>
             <a:endParaRPr lang="en-US"/>
           </a:p>
@@ -2258,6 +2280,7 @@
           <a:p>
             <a:fld id="{A9D5737B-ACDC-4D4E-92CE-2830BABE10BB}" type="slidenum">
               <a:rPr lang="en-US" smtClean="0"/>
+              <a:pPr/>
               <a:t>‹#›</a:t>
             </a:fld>
             <a:endParaRPr lang="en-US"/>
@@ -2464,7 +2487,8 @@
           <a:p>
             <a:fld id="{411EEA48-81E0-4111-B3A6-EFDB522AC3DA}" type="datetimeFigureOut">
               <a:rPr lang="en-US" smtClean="0"/>
-              <a:t>30-Aug-13</a:t>
+              <a:pPr/>
+              <a:t>9/5/2013</a:t>
             </a:fld>
             <a:endParaRPr lang="en-US"/>
           </a:p>
@@ -2506,6 +2530,7 @@
           <a:p>
             <a:fld id="{A9D5737B-ACDC-4D4E-92CE-2830BABE10BB}" type="slidenum">
               <a:rPr lang="en-US" smtClean="0"/>
+              <a:pPr/>
               <a:t>‹#›</a:t>
             </a:fld>
             <a:endParaRPr lang="en-US"/>
@@ -2681,7 +2706,8 @@
           <a:p>
             <a:fld id="{411EEA48-81E0-4111-B3A6-EFDB522AC3DA}" type="datetimeFigureOut">
               <a:rPr lang="en-US" smtClean="0"/>
-              <a:t>30-Aug-13</a:t>
+              <a:pPr/>
+              <a:t>9/5/2013</a:t>
             </a:fld>
             <a:endParaRPr lang="en-US"/>
           </a:p>
@@ -2759,6 +2785,7 @@
           <a:p>
             <a:fld id="{A9D5737B-ACDC-4D4E-92CE-2830BABE10BB}" type="slidenum">
               <a:rPr lang="en-US" smtClean="0"/>
+              <a:pPr/>
               <a:t>‹#›</a:t>
             </a:fld>
             <a:endParaRPr lang="en-US"/>
@@ -3065,145 +3092,32 @@
           <a:chExt cx="0" cy="0"/>
         </a:xfrm>
       </p:grpSpPr>
-      <p:sp>
-        <p:nvSpPr>
-          <p:cNvPr id="2" name="Title 1"/>
-          <p:cNvSpPr>
-            <a:spLocks noGrp="1"/>
-          </p:cNvSpPr>
-          <p:nvPr>
-            <p:ph type="ctrTitle"/>
-          </p:nvPr>
-        </p:nvSpPr>
-        <p:spPr>
+      <p:pic>
+        <p:nvPicPr>
+          <p:cNvPr id="1026" name="Picture 2" descr="G:\c tumpa\Android\Projects\GDG\logo.png"/>
+          <p:cNvPicPr>
+            <a:picLocks noChangeAspect="1" noChangeArrowheads="1"/>
+          </p:cNvPicPr>
+          <p:nvPr/>
+        </p:nvPicPr>
+        <p:blipFill>
+          <a:blip r:embed="rId4" cstate="print"/>
+          <a:srcRect/>
+          <a:stretch>
+            <a:fillRect/>
+          </a:stretch>
+        </p:blipFill>
+        <p:spPr bwMode="auto">
           <a:xfrm>
-            <a:off x="685800" y="1200150"/>
-            <a:ext cx="7772400" cy="1102519"/>
+            <a:off x="2514600" y="0"/>
+            <a:ext cx="3636226" cy="5181600"/>
           </a:xfrm>
+          <a:prstGeom prst="rect">
+            <a:avLst/>
+          </a:prstGeom>
+          <a:noFill/>
         </p:spPr>
-        <p:txBody>
-          <a:bodyPr/>
-          <a:lstStyle/>
-          <a:p>
-            <a:r>
-              <a:rPr lang="en-US" b="1" dirty="0" smtClean="0">
-                <a:solidFill>
-                  <a:srgbClr val="FFC000"/>
-                </a:solidFill>
-              </a:rPr>
-              <a:t>(</a:t>
-            </a:r>
-            <a:r>
-              <a:rPr lang="en-US" b="1" dirty="0" err="1" smtClean="0">
-                <a:solidFill>
-                  <a:srgbClr val="FFC000"/>
-                </a:solidFill>
-              </a:rPr>
-              <a:t>Hajira</a:t>
-            </a:r>
-            <a:r>
-              <a:rPr lang="en-US" b="1" dirty="0" smtClean="0">
-                <a:solidFill>
-                  <a:srgbClr val="FFC000"/>
-                </a:solidFill>
-              </a:rPr>
-              <a:t> </a:t>
-            </a:r>
-            <a:r>
-              <a:rPr lang="en-US" b="1" dirty="0" err="1" smtClean="0">
-                <a:solidFill>
-                  <a:srgbClr val="FFC000"/>
-                </a:solidFill>
-              </a:rPr>
-              <a:t>Sharonee</a:t>
-            </a:r>
-            <a:r>
-              <a:rPr lang="en-US" b="1" dirty="0" smtClean="0">
-                <a:solidFill>
-                  <a:srgbClr val="FFC000"/>
-                </a:solidFill>
-              </a:rPr>
-              <a:t>)</a:t>
-            </a:r>
-            <a:endParaRPr lang="en-US" b="1" dirty="0">
-              <a:solidFill>
-                <a:srgbClr val="FFC000"/>
-              </a:solidFill>
-            </a:endParaRPr>
-          </a:p>
-        </p:txBody>
-      </p:sp>
-      <p:sp>
-        <p:nvSpPr>
-          <p:cNvPr id="3" name="Subtitle 2"/>
-          <p:cNvSpPr>
-            <a:spLocks noGrp="1"/>
-          </p:cNvSpPr>
-          <p:nvPr>
-            <p:ph type="subTitle" idx="1"/>
-          </p:nvPr>
-        </p:nvSpPr>
-        <p:spPr>
-          <a:xfrm>
-            <a:off x="1371600" y="2516980"/>
-            <a:ext cx="6400800" cy="1314450"/>
-          </a:xfrm>
-        </p:spPr>
-        <p:txBody>
-          <a:bodyPr/>
-          <a:lstStyle/>
-          <a:p>
-            <a:r>
-              <a:rPr lang="en-US" dirty="0" smtClean="0">
-                <a:solidFill>
-                  <a:schemeClr val="tx2">
-                    <a:lumMod val="60000"/>
-                    <a:lumOff val="40000"/>
-                  </a:schemeClr>
-                </a:solidFill>
-              </a:rPr>
-              <a:t>(</a:t>
-            </a:r>
-            <a:r>
-              <a:rPr lang="en-US" dirty="0" err="1" smtClean="0">
-                <a:solidFill>
-                  <a:schemeClr val="tx2">
-                    <a:lumMod val="60000"/>
-                    <a:lumOff val="40000"/>
-                  </a:schemeClr>
-                </a:solidFill>
-              </a:rPr>
-              <a:t>Achomka</a:t>
-            </a:r>
-            <a:r>
-              <a:rPr lang="en-US" dirty="0" smtClean="0">
-                <a:solidFill>
-                  <a:schemeClr val="tx2">
-                    <a:lumMod val="60000"/>
-                    <a:lumOff val="40000"/>
-                  </a:schemeClr>
-                </a:solidFill>
-              </a:rPr>
-              <a:t>)</a:t>
-            </a:r>
-          </a:p>
-          <a:p>
-            <a:r>
-              <a:rPr lang="en-US" dirty="0" smtClean="0"/>
-              <a:t>(Team - 01)</a:t>
-            </a:r>
-            <a:r>
-              <a:rPr lang="en-US" i="1" dirty="0" smtClean="0"/>
-              <a:t> </a:t>
-            </a:r>
-            <a:r>
-              <a:rPr lang="en-US" dirty="0" smtClean="0"/>
-              <a:t>  </a:t>
-            </a:r>
-            <a:endParaRPr lang="en-US" dirty="0"/>
-          </a:p>
-        </p:txBody>
-      </p:sp>
+      </p:pic>
     </p:spTree>
   </p:cSld>
   <p:clrMapOvr>
@@ -3222,7 +3136,7 @@
 </p:sld>
 </file>
 
-<file path=ppt/slides/slide2.xml><?xml version="1.0" encoding="utf-8"?>
+<file path=ppt/slides/slide10.xml><?xml version="1.0" encoding="utf-8"?>
 <p:sld xmlns:a="http://schemas.openxmlformats.org/drawingml/2006/main" xmlns:r="http://schemas.openxmlformats.org/officeDocument/2006/relationships" xmlns:p="http://schemas.openxmlformats.org/presentationml/2006/main">
   <p:cSld>
     <p:spTree>
@@ -3251,7 +3165,7 @@
         </p:nvSpPr>
         <p:spPr>
           <a:xfrm>
-            <a:off x="685800" y="1047750"/>
+            <a:off x="31102" y="133350"/>
             <a:ext cx="7772400" cy="1102519"/>
           </a:xfrm>
         </p:spPr>
@@ -3265,7 +3179,7 @@
                   <a:srgbClr val="FFC000"/>
                 </a:solidFill>
               </a:rPr>
-              <a:t>The Concept</a:t>
+              <a:t>Team Details</a:t>
             </a:r>
             <a:endParaRPr lang="en-US" b="1" dirty="0">
               <a:solidFill>
@@ -3287,21 +3201,264 @@
         </p:nvSpPr>
         <p:spPr>
           <a:xfrm>
-            <a:off x="1371600" y="2364580"/>
+            <a:off x="685800" y="1123950"/>
             <a:ext cx="6400800" cy="1314450"/>
           </a:xfrm>
         </p:spPr>
         <p:txBody>
           <a:bodyPr>
-            <a:normAutofit fontScale="92500" lnSpcReduction="20000"/>
+            <a:noAutofit/>
           </a:bodyPr>
           <a:lstStyle/>
           <a:p>
-            <a:r>
-              <a:rPr lang="en-US" dirty="0" smtClean="0"/>
-              <a:t>Teachers can keep the attendance and result of his students and notify their parents about them</a:t>
-            </a:r>
-            <a:endParaRPr lang="en-US" dirty="0"/>
+            <a:pPr algn="l"/>
+            <a:r>
+              <a:rPr lang="en-US" sz="1600" dirty="0" smtClean="0"/>
+              <a:t>1) </a:t>
+            </a:r>
+            <a:r>
+              <a:rPr lang="en-US" sz="1600" dirty="0" err="1" smtClean="0"/>
+              <a:t>Iffatur</a:t>
+            </a:r>
+            <a:r>
+              <a:rPr lang="en-US" sz="1600" dirty="0" smtClean="0"/>
+              <a:t> </a:t>
+            </a:r>
+            <a:r>
+              <a:rPr lang="en-US" sz="1600" dirty="0" err="1" smtClean="0"/>
+              <a:t>Ridwan</a:t>
+            </a:r>
+            <a:r>
+              <a:rPr lang="en-US" sz="1600" dirty="0" smtClean="0"/>
+              <a:t> </a:t>
+            </a:r>
+            <a:r>
+              <a:rPr lang="en-US" sz="1600" dirty="0" err="1" smtClean="0"/>
+              <a:t>Samanta</a:t>
+            </a:r>
+            <a:endParaRPr lang="en-US" sz="1600" dirty="0" smtClean="0"/>
+          </a:p>
+          <a:p>
+            <a:pPr algn="l"/>
+            <a:r>
+              <a:rPr lang="en-US" sz="1600" dirty="0" smtClean="0"/>
+              <a:t>Contact no - +</a:t>
+            </a:r>
+            <a:r>
+              <a:rPr lang="en-US" sz="1600" dirty="0" smtClean="0"/>
+              <a:t>88-01677-127703</a:t>
+            </a:r>
+            <a:r>
+              <a:rPr lang="en-US" sz="1600" dirty="0" smtClean="0"/>
+              <a:t>, +</a:t>
+            </a:r>
+            <a:r>
+              <a:rPr lang="en-US" sz="1600" dirty="0" smtClean="0"/>
+              <a:t>88-01689-149075</a:t>
+            </a:r>
+            <a:endParaRPr lang="en-US" sz="1600" dirty="0" smtClean="0"/>
+          </a:p>
+          <a:p>
+            <a:pPr algn="l"/>
+            <a:r>
+              <a:rPr lang="en-US" sz="1600" dirty="0"/>
+              <a:t>e</a:t>
+            </a:r>
+            <a:r>
+              <a:rPr lang="en-US" sz="1600" dirty="0" smtClean="0"/>
+              <a:t>mail – </a:t>
+            </a:r>
+            <a:r>
+              <a:rPr lang="en-US" sz="1600" dirty="0" smtClean="0">
+                <a:hlinkClick r:id="rId2"/>
+              </a:rPr>
+              <a:t>sama_vns13@yahoo.com</a:t>
+            </a:r>
+            <a:endParaRPr lang="en-US" sz="1600" dirty="0" smtClean="0"/>
+          </a:p>
+          <a:p>
+            <a:pPr algn="l"/>
+            <a:r>
+              <a:rPr lang="en-US" sz="1600" dirty="0" err="1" smtClean="0"/>
+              <a:t>Gitlink</a:t>
+            </a:r>
+            <a:r>
+              <a:rPr lang="en-US" sz="1600" dirty="0" smtClean="0"/>
+              <a:t> – </a:t>
+            </a:r>
+            <a:r>
+              <a:rPr lang="en-US" sz="1600" dirty="0">
+                <a:hlinkClick r:id="rId3"/>
+              </a:rPr>
+              <a:t>https://</a:t>
+            </a:r>
+            <a:r>
+              <a:rPr lang="en-US" sz="1600" dirty="0" smtClean="0">
+                <a:hlinkClick r:id="rId3"/>
+              </a:rPr>
+              <a:t>github.com/IffaturRidwan</a:t>
+            </a:r>
+            <a:endParaRPr lang="en-US" sz="1600" dirty="0" smtClean="0"/>
+          </a:p>
+          <a:p>
+            <a:pPr algn="l"/>
+            <a:r>
+              <a:rPr lang="en-US" sz="1600" dirty="0" smtClean="0"/>
+              <a:t>2) </a:t>
+            </a:r>
+            <a:r>
+              <a:rPr lang="en-US" sz="1600" dirty="0" err="1" smtClean="0"/>
+              <a:t>Tanvir</a:t>
+            </a:r>
+            <a:r>
+              <a:rPr lang="en-US" sz="1600" dirty="0" smtClean="0"/>
+              <a:t> Ahmed </a:t>
+            </a:r>
+            <a:r>
+              <a:rPr lang="en-US" sz="1600" dirty="0" err="1" smtClean="0"/>
+              <a:t>Fuad</a:t>
+            </a:r>
+            <a:endParaRPr lang="en-US" sz="1600" dirty="0" smtClean="0"/>
+          </a:p>
+          <a:p>
+            <a:pPr algn="l"/>
+            <a:r>
+              <a:rPr lang="en-US" sz="1600" dirty="0" smtClean="0"/>
+              <a:t>Contact no - +</a:t>
+            </a:r>
+            <a:r>
+              <a:rPr lang="en-US" sz="1600" dirty="0" smtClean="0"/>
+              <a:t>88-01675-786134</a:t>
+            </a:r>
+            <a:endParaRPr lang="en-US" sz="1600" dirty="0" smtClean="0"/>
+          </a:p>
+          <a:p>
+            <a:pPr algn="l"/>
+            <a:r>
+              <a:rPr lang="en-US" sz="1600" dirty="0"/>
+              <a:t>e</a:t>
+            </a:r>
+            <a:r>
+              <a:rPr lang="en-US" sz="1600" dirty="0" smtClean="0"/>
+              <a:t>mail – </a:t>
+            </a:r>
+            <a:r>
+              <a:rPr lang="en-US" sz="1600" dirty="0" smtClean="0">
+                <a:hlinkClick r:id="rId4"/>
+              </a:rPr>
+              <a:t>tanvir_fuad@ovi.com</a:t>
+            </a:r>
+            <a:endParaRPr lang="en-US" sz="1600" dirty="0" smtClean="0"/>
+          </a:p>
+          <a:p>
+            <a:pPr algn="l"/>
+            <a:r>
+              <a:rPr lang="en-US" sz="1600" dirty="0" err="1" smtClean="0"/>
+              <a:t>Gitlink</a:t>
+            </a:r>
+            <a:r>
+              <a:rPr lang="en-US" sz="1600" dirty="0" smtClean="0"/>
+              <a:t> </a:t>
+            </a:r>
+            <a:r>
+              <a:rPr lang="en-US" sz="1600" dirty="0" smtClean="0"/>
+              <a:t>– </a:t>
+            </a:r>
+            <a:r>
+              <a:rPr lang="en-US" sz="1600" dirty="0" smtClean="0">
+                <a:hlinkClick r:id="rId5"/>
+              </a:rPr>
+              <a:t>https://github.com/tanvirfuad</a:t>
+            </a:r>
+            <a:endParaRPr lang="en-US" sz="1600" dirty="0" smtClean="0"/>
+          </a:p>
+          <a:p>
+            <a:pPr algn="l"/>
+            <a:r>
+              <a:rPr lang="en-US" sz="1600" dirty="0" smtClean="0"/>
+              <a:t>3</a:t>
+            </a:r>
+            <a:r>
+              <a:rPr lang="en-US" sz="1600" dirty="0" smtClean="0"/>
+              <a:t>) </a:t>
+            </a:r>
+            <a:r>
+              <a:rPr lang="en-US" sz="1600" dirty="0" err="1" smtClean="0"/>
+              <a:t>Sanjida</a:t>
+            </a:r>
+            <a:r>
+              <a:rPr lang="en-US" sz="1600" dirty="0" smtClean="0"/>
+              <a:t> </a:t>
+            </a:r>
+            <a:r>
+              <a:rPr lang="en-US" sz="1600" dirty="0" err="1" smtClean="0"/>
+              <a:t>Nasreen</a:t>
+            </a:r>
+            <a:r>
+              <a:rPr lang="en-US" sz="1600" dirty="0" smtClean="0"/>
+              <a:t> </a:t>
+            </a:r>
+            <a:r>
+              <a:rPr lang="en-US" sz="1600" dirty="0" err="1" smtClean="0"/>
+              <a:t>Tumpa</a:t>
+            </a:r>
+            <a:endParaRPr lang="en-US" sz="1600" dirty="0" smtClean="0"/>
+          </a:p>
+          <a:p>
+            <a:pPr algn="l"/>
+            <a:r>
+              <a:rPr lang="en-US" sz="1600" dirty="0" smtClean="0"/>
+              <a:t>Contact no - +</a:t>
+            </a:r>
+            <a:r>
+              <a:rPr lang="en-US" sz="1600" dirty="0" smtClean="0"/>
+              <a:t>88-01914-639095</a:t>
+            </a:r>
+            <a:endParaRPr lang="en-US" sz="1600" dirty="0" smtClean="0"/>
+          </a:p>
+          <a:p>
+            <a:pPr algn="l"/>
+            <a:r>
+              <a:rPr lang="en-US" sz="1600" dirty="0"/>
+              <a:t>e</a:t>
+            </a:r>
+            <a:r>
+              <a:rPr lang="en-US" sz="1600" dirty="0" smtClean="0"/>
+              <a:t>mail – </a:t>
+            </a:r>
+            <a:r>
+              <a:rPr lang="en-US" sz="1600" dirty="0" smtClean="0">
+                <a:hlinkClick r:id="rId6"/>
+              </a:rPr>
+              <a:t>tumpa_sanjida@yahoo.com</a:t>
+            </a:r>
+            <a:endParaRPr lang="en-US" sz="1600" dirty="0" smtClean="0"/>
+          </a:p>
+          <a:p>
+            <a:pPr algn="l"/>
+            <a:r>
+              <a:rPr lang="en-US" sz="1600" dirty="0" err="1" smtClean="0"/>
+              <a:t>Gitlink</a:t>
+            </a:r>
+            <a:r>
+              <a:rPr lang="en-US" sz="1600" dirty="0" smtClean="0"/>
+              <a:t> - </a:t>
+            </a:r>
+            <a:r>
+              <a:rPr lang="en-US" sz="1600" dirty="0" smtClean="0">
+                <a:hlinkClick r:id="rId7"/>
+              </a:rPr>
+              <a:t>https://github.com/sanjida17</a:t>
+            </a:r>
+            <a:endParaRPr lang="en-US" sz="1600" dirty="0" smtClean="0"/>
+          </a:p>
+          <a:p>
+            <a:pPr algn="l"/>
+            <a:endParaRPr lang="en-US" sz="1600" dirty="0" smtClean="0"/>
+          </a:p>
+          <a:p>
+            <a:pPr algn="l"/>
+            <a:endParaRPr lang="en-US" sz="1600" dirty="0" smtClean="0"/>
           </a:p>
         </p:txBody>
       </p:sp>
@@ -3309,6 +3466,205 @@
   </p:cSld>
   <p:clrMapOvr>
     <a:masterClrMapping/>
+  </p:clrMapOvr>
+  <p:transition>
+    <p:fade/>
+  </p:transition>
+  <p:timing>
+    <p:tnLst>
+      <p:par>
+        <p:cTn id="1" dur="indefinite" restart="never" nodeType="tmRoot"/>
+      </p:par>
+    </p:tnLst>
+  </p:timing>
+</p:sld>
+</file>
+
+<file path=ppt/slides/slide11.xml><?xml version="1.0" encoding="utf-8"?>
+<p:sld xmlns:a="http://schemas.openxmlformats.org/drawingml/2006/main" xmlns:r="http://schemas.openxmlformats.org/officeDocument/2006/relationships" xmlns:p="http://schemas.openxmlformats.org/presentationml/2006/main">
+  <p:cSld>
+    <p:spTree>
+      <p:nvGrpSpPr>
+        <p:cNvPr id="1" name=""/>
+        <p:cNvGrpSpPr/>
+        <p:nvPr/>
+      </p:nvGrpSpPr>
+      <p:grpSpPr>
+        <a:xfrm>
+          <a:off x="0" y="0"/>
+          <a:ext cx="0" cy="0"/>
+          <a:chOff x="0" y="0"/>
+          <a:chExt cx="0" cy="0"/>
+        </a:xfrm>
+      </p:grpSpPr>
+      <p:sp>
+        <p:nvSpPr>
+          <p:cNvPr id="4" name="Title 3"/>
+          <p:cNvSpPr>
+            <a:spLocks noGrp="1"/>
+          </p:cNvSpPr>
+          <p:nvPr>
+            <p:ph type="ctrTitle"/>
+          </p:nvPr>
+        </p:nvSpPr>
+        <p:spPr>
+          <a:xfrm>
+            <a:off x="685800" y="1733550"/>
+            <a:ext cx="7772400" cy="1447800"/>
+          </a:xfrm>
+        </p:spPr>
+        <p:txBody>
+          <a:bodyPr>
+            <a:normAutofit/>
+          </a:bodyPr>
+          <a:lstStyle/>
+          <a:p>
+            <a:r>
+              <a:rPr lang="en-US" sz="6000" dirty="0" smtClean="0">
+                <a:solidFill>
+                  <a:srgbClr val="FFC000"/>
+                </a:solidFill>
+              </a:rPr>
+              <a:t>THANK YOU</a:t>
+            </a:r>
+            <a:endParaRPr lang="en-US" sz="6000" dirty="0">
+              <a:solidFill>
+                <a:srgbClr val="FFC000"/>
+              </a:solidFill>
+            </a:endParaRPr>
+          </a:p>
+        </p:txBody>
+      </p:sp>
+    </p:spTree>
+  </p:cSld>
+  <p:clrMapOvr>
+    <a:masterClrMapping/>
+  </p:clrMapOvr>
+  <p:transition>
+    <p:fade/>
+  </p:transition>
+  <p:timing>
+    <p:tnLst>
+      <p:par>
+        <p:cTn id="1" dur="indefinite" restart="never" nodeType="tmRoot"/>
+      </p:par>
+    </p:tnLst>
+  </p:timing>
+</p:sld>
+</file>
+
+<file path=ppt/slides/slide2.xml><?xml version="1.0" encoding="utf-8"?>
+<p:sld xmlns:a="http://schemas.openxmlformats.org/drawingml/2006/main" xmlns:r="http://schemas.openxmlformats.org/officeDocument/2006/relationships" xmlns:p="http://schemas.openxmlformats.org/presentationml/2006/main">
+  <p:cSld>
+    <p:bg>
+      <p:bgPr>
+        <a:blipFill dpi="0" rotWithShape="1">
+          <a:blip r:embed="rId3" cstate="print">
+            <a:lum/>
+          </a:blip>
+          <a:srcRect/>
+          <a:stretch>
+            <a:fillRect/>
+          </a:stretch>
+        </a:blipFill>
+        <a:effectLst/>
+      </p:bgPr>
+    </p:bg>
+    <p:spTree>
+      <p:nvGrpSpPr>
+        <p:cNvPr id="1" name=""/>
+        <p:cNvGrpSpPr/>
+        <p:nvPr/>
+      </p:nvGrpSpPr>
+      <p:grpSpPr>
+        <a:xfrm>
+          <a:off x="0" y="0"/>
+          <a:ext cx="0" cy="0"/>
+          <a:chOff x="0" y="0"/>
+          <a:chExt cx="0" cy="0"/>
+        </a:xfrm>
+      </p:grpSpPr>
+      <p:sp>
+        <p:nvSpPr>
+          <p:cNvPr id="4" name="Rectangle 3"/>
+          <p:cNvSpPr/>
+          <p:nvPr/>
+        </p:nvSpPr>
+        <p:spPr>
+          <a:xfrm>
+            <a:off x="1219200" y="1581150"/>
+            <a:ext cx="6096000" cy="1354217"/>
+          </a:xfrm>
+          <a:prstGeom prst="rect">
+            <a:avLst/>
+          </a:prstGeom>
+        </p:spPr>
+        <p:txBody>
+          <a:bodyPr wrap="square">
+            <a:spAutoFit/>
+          </a:bodyPr>
+          <a:lstStyle/>
+          <a:p>
+            <a:r>
+              <a:rPr lang="en-US" sz="3200" dirty="0" smtClean="0">
+                <a:solidFill>
+                  <a:srgbClr val="FFC000"/>
+                </a:solidFill>
+              </a:rPr>
+              <a:t>Team name : </a:t>
+            </a:r>
+            <a:r>
+              <a:rPr lang="bn-BD" sz="3200" dirty="0" smtClean="0">
+                <a:solidFill>
+                  <a:srgbClr val="FFC000"/>
+                </a:solidFill>
+              </a:rPr>
+              <a:t>আচমকা </a:t>
+            </a:r>
+            <a:r>
+              <a:rPr lang="en-US" sz="3200" dirty="0" smtClean="0">
+                <a:solidFill>
+                  <a:srgbClr val="FFC000"/>
+                </a:solidFill>
+              </a:rPr>
+              <a:t>(</a:t>
+            </a:r>
+            <a:r>
+              <a:rPr lang="en-US" sz="3200" dirty="0" err="1" smtClean="0">
+                <a:solidFill>
+                  <a:srgbClr val="FFC000"/>
+                </a:solidFill>
+              </a:rPr>
+              <a:t>Achomka</a:t>
+            </a:r>
+            <a:r>
+              <a:rPr lang="en-US" sz="3200" dirty="0" smtClean="0">
+                <a:solidFill>
+                  <a:srgbClr val="FFC000"/>
+                </a:solidFill>
+              </a:rPr>
+              <a:t>)</a:t>
+            </a:r>
+          </a:p>
+          <a:p>
+            <a:r>
+              <a:rPr lang="en-US" sz="3200" dirty="0" smtClean="0">
+                <a:solidFill>
+                  <a:srgbClr val="FFC000"/>
+                </a:solidFill>
+              </a:rPr>
+              <a:t>Team No	  : 01</a:t>
+            </a:r>
+          </a:p>
+          <a:p>
+            <a:endParaRPr lang="en-US" dirty="0"/>
+          </a:p>
+        </p:txBody>
+      </p:sp>
+    </p:spTree>
+  </p:cSld>
+  <p:clrMapOvr>
+    <a:overrideClrMapping bg1="lt1" tx1="dk1" bg2="lt2" tx2="dk2" accent1="accent1" accent2="accent2" accent3="accent3" accent4="accent4" accent5="accent5" accent6="accent6" hlink="hlink" folHlink="folHlink"/>
   </p:clrMapOvr>
   <p:transition>
     <p:fade/>
@@ -3352,7 +3708,7 @@
         </p:nvSpPr>
         <p:spPr>
           <a:xfrm>
-            <a:off x="685800" y="514350"/>
+            <a:off x="685800" y="1047750"/>
             <a:ext cx="7772400" cy="1102519"/>
           </a:xfrm>
         </p:spPr>
@@ -3366,7 +3722,7 @@
                   <a:srgbClr val="FFC000"/>
                 </a:solidFill>
               </a:rPr>
-              <a:t>The Features</a:t>
+              <a:t>The Concept</a:t>
             </a:r>
             <a:endParaRPr lang="en-US" b="1" dirty="0">
               <a:solidFill>
@@ -3388,172 +3744,34 @@
         </p:nvSpPr>
         <p:spPr>
           <a:xfrm>
-            <a:off x="1371600" y="1831180"/>
+            <a:off x="1371600" y="2364580"/>
             <a:ext cx="6400800" cy="1314450"/>
           </a:xfrm>
         </p:spPr>
         <p:txBody>
           <a:bodyPr>
-            <a:normAutofit/>
+            <a:normAutofit fontScale="92500" lnSpcReduction="20000"/>
           </a:bodyPr>
           <a:lstStyle/>
           <a:p>
+            <a:pPr algn="l"/>
             <a:r>
               <a:rPr lang="en-US" dirty="0" smtClean="0"/>
-              <a:t>The key features are: </a:t>
-            </a:r>
-            <a:endParaRPr lang="en-US" dirty="0" smtClean="0"/>
-          </a:p>
-        </p:txBody>
-      </p:sp>
-      <p:sp>
-        <p:nvSpPr>
-          <p:cNvPr id="4" name="Rectangle 3"/>
-          <p:cNvSpPr/>
-          <p:nvPr/>
-        </p:nvSpPr>
-        <p:spPr>
-          <a:xfrm>
-            <a:off x="2514600" y="2571750"/>
-            <a:ext cx="4191000" cy="2169825"/>
-          </a:xfrm>
-          <a:prstGeom prst="rect">
-            <a:avLst/>
-          </a:prstGeom>
-        </p:spPr>
-        <p:txBody>
-          <a:bodyPr wrap="square">
-            <a:spAutoFit/>
-          </a:bodyPr>
-          <a:lstStyle/>
-          <a:p>
-            <a:pPr>
-              <a:buFont typeface="Arial" pitchFamily="34" charset="0"/>
-              <a:buChar char="•"/>
-            </a:pPr>
-            <a:r>
-              <a:rPr lang="en-US" sz="1500" i="1" dirty="0" smtClean="0">
-                <a:solidFill>
-                  <a:schemeClr val="tx1">
-                    <a:tint val="75000"/>
-                  </a:schemeClr>
-                </a:solidFill>
-              </a:rPr>
-              <a:t> List of students alphabetically</a:t>
-            </a:r>
-          </a:p>
-          <a:p>
-            <a:pPr>
-              <a:buFont typeface="Arial" pitchFamily="34" charset="0"/>
-              <a:buChar char="•"/>
-            </a:pPr>
-            <a:r>
-              <a:rPr lang="en-US" sz="1500" i="1" dirty="0" smtClean="0">
-                <a:solidFill>
-                  <a:schemeClr val="tx1">
-                    <a:tint val="75000"/>
-                  </a:schemeClr>
-                </a:solidFill>
-              </a:rPr>
-              <a:t> Students’ attendance</a:t>
-            </a:r>
-          </a:p>
-          <a:p>
-            <a:pPr>
-              <a:buFont typeface="Arial" pitchFamily="34" charset="0"/>
-              <a:buChar char="•"/>
-            </a:pPr>
-            <a:r>
-              <a:rPr lang="en-US" sz="1500" i="1" dirty="0" smtClean="0">
-                <a:solidFill>
-                  <a:schemeClr val="tx1">
-                    <a:tint val="75000"/>
-                  </a:schemeClr>
-                </a:solidFill>
-              </a:rPr>
-              <a:t> Students’ result</a:t>
-            </a:r>
-          </a:p>
-          <a:p>
-            <a:pPr>
-              <a:buFont typeface="Arial" pitchFamily="34" charset="0"/>
-              <a:buChar char="•"/>
-            </a:pPr>
-            <a:r>
-              <a:rPr lang="en-US" sz="1500" i="1" dirty="0" smtClean="0">
-                <a:solidFill>
-                  <a:schemeClr val="tx1">
-                    <a:tint val="75000"/>
-                  </a:schemeClr>
-                </a:solidFill>
-              </a:rPr>
-              <a:t> Notifying parents about students’ result, attendance and any other notice</a:t>
-            </a:r>
-          </a:p>
-          <a:p>
-            <a:pPr>
-              <a:buFont typeface="Arial" pitchFamily="34" charset="0"/>
-              <a:buChar char="•"/>
-            </a:pPr>
-            <a:r>
-              <a:rPr lang="en-US" sz="1500" i="1" dirty="0" smtClean="0">
-                <a:solidFill>
-                  <a:schemeClr val="tx1">
-                    <a:tint val="75000"/>
-                  </a:schemeClr>
-                </a:solidFill>
-              </a:rPr>
-              <a:t> Notify the parents about their child’s absence instantly</a:t>
-            </a:r>
-          </a:p>
-          <a:p>
-            <a:pPr>
-              <a:buFont typeface="Arial" pitchFamily="34" charset="0"/>
-              <a:buChar char="•"/>
-            </a:pPr>
-            <a:r>
-              <a:rPr lang="en-US" sz="1500" i="1" dirty="0">
-                <a:solidFill>
-                  <a:schemeClr val="tx1">
-                    <a:tint val="75000"/>
-                  </a:schemeClr>
-                </a:solidFill>
-              </a:rPr>
-              <a:t> </a:t>
-            </a:r>
-            <a:r>
-              <a:rPr lang="en-US" sz="1500" i="1" dirty="0" smtClean="0">
-                <a:solidFill>
-                  <a:schemeClr val="tx1">
-                    <a:tint val="75000"/>
-                  </a:schemeClr>
-                </a:solidFill>
-              </a:rPr>
-              <a:t>Calculation of percentage of attendance</a:t>
-            </a:r>
-          </a:p>
-          <a:p>
-            <a:pPr>
-              <a:buFont typeface="Arial" pitchFamily="34" charset="0"/>
-              <a:buChar char="•"/>
-            </a:pPr>
-            <a:r>
-              <a:rPr lang="en-US" sz="1500" i="1" dirty="0" smtClean="0">
-                <a:solidFill>
-                  <a:schemeClr val="tx1">
-                    <a:tint val="75000"/>
-                  </a:schemeClr>
-                </a:solidFill>
-              </a:rPr>
-              <a:t> Only teachers can access</a:t>
-            </a:r>
-            <a:endParaRPr lang="en-US" sz="1500" i="1" dirty="0">
-              <a:solidFill>
-                <a:schemeClr val="tx1">
-                  <a:tint val="75000"/>
-                </a:schemeClr>
-              </a:solidFill>
-            </a:endParaRPr>
+              <a:t>Contact system with Government officials’ </a:t>
+            </a:r>
+            <a:r>
+              <a:rPr lang="en-US" dirty="0" smtClean="0"/>
+              <a:t>categorized </a:t>
+            </a:r>
+            <a:r>
+              <a:rPr lang="en-US" dirty="0"/>
+              <a:t>by </a:t>
+            </a:r>
+            <a:r>
+              <a:rPr lang="en-US" dirty="0" smtClean="0"/>
+              <a:t>division and district</a:t>
+            </a:r>
+            <a:endParaRPr lang="en-US" dirty="0"/>
           </a:p>
         </p:txBody>
       </p:sp>
@@ -3604,7 +3822,7 @@
         </p:nvSpPr>
         <p:spPr>
           <a:xfrm>
-            <a:off x="685800" y="1047750"/>
+            <a:off x="685800" y="514350"/>
             <a:ext cx="7772400" cy="1102519"/>
           </a:xfrm>
         </p:spPr>
@@ -3618,7 +3836,7 @@
                   <a:srgbClr val="FFC000"/>
                 </a:solidFill>
               </a:rPr>
-              <a:t>What we developed in GDG</a:t>
+              <a:t>Features</a:t>
             </a:r>
             <a:endParaRPr lang="en-US" b="1" dirty="0">
               <a:solidFill>
@@ -3640,38 +3858,20 @@
         </p:nvSpPr>
         <p:spPr>
           <a:xfrm>
-            <a:off x="1371600" y="2364580"/>
+            <a:off x="685800" y="1885950"/>
             <a:ext cx="6400800" cy="1314450"/>
           </a:xfrm>
         </p:spPr>
         <p:txBody>
           <a:bodyPr>
-            <a:normAutofit fontScale="70000" lnSpcReduction="20000"/>
+            <a:normAutofit/>
           </a:bodyPr>
           <a:lstStyle/>
           <a:p>
-            <a:r>
-              <a:rPr lang="en-US" dirty="0" smtClean="0">
-                <a:solidFill>
-                  <a:schemeClr val="tx2">
-                    <a:lumMod val="60000"/>
-                    <a:lumOff val="40000"/>
-                  </a:schemeClr>
-                </a:solidFill>
-              </a:rPr>
-              <a:t>(Detail out the solution and features you developed in GDG. Explain them with screen shots)</a:t>
-            </a:r>
-          </a:p>
-          <a:p>
-            <a:r>
-              <a:rPr lang="en-US" i="1" dirty="0" smtClean="0"/>
-              <a:t>Ex. </a:t>
-            </a:r>
             <a:r>
               <a:rPr lang="en-US" dirty="0" smtClean="0"/>
               <a:t> </a:t>
             </a:r>
-            <a:endParaRPr lang="en-US" dirty="0"/>
           </a:p>
         </p:txBody>
       </p:sp>
@@ -3683,8 +3883,8 @@
         </p:nvSpPr>
         <p:spPr>
           <a:xfrm>
-            <a:off x="3124200" y="3308687"/>
-            <a:ext cx="2895600" cy="1015663"/>
+            <a:off x="1371600" y="1504950"/>
+            <a:ext cx="5867400" cy="2677656"/>
           </a:xfrm>
           <a:prstGeom prst="rect">
             <a:avLst/>
@@ -3696,28 +3896,12 @@
           </a:bodyPr>
           <a:lstStyle/>
           <a:p>
-            <a:pPr marL="231775" indent="-231775">
+            <a:pPr>
               <a:buFont typeface="Arial" pitchFamily="34" charset="0"/>
               <a:buChar char="•"/>
             </a:pPr>
             <a:r>
-              <a:rPr lang="en-US" sz="1500" i="1" dirty="0" smtClean="0">
-                <a:solidFill>
-                  <a:schemeClr val="tx1">
-                    <a:tint val="75000"/>
-                  </a:schemeClr>
-                </a:solidFill>
-              </a:rPr>
-              <a:t> DFD</a:t>
-            </a:r>
-          </a:p>
-          <a:p>
-            <a:pPr marL="231775" indent="-231775">
-              <a:buFont typeface="Arial" pitchFamily="34" charset="0"/>
-              <a:buChar char="•"/>
-            </a:pPr>
-            <a:r>
-              <a:rPr lang="en-US" sz="1500" i="1" dirty="0">
+              <a:rPr lang="en-US" sz="2400" dirty="0" smtClean="0">
                 <a:solidFill>
                   <a:schemeClr val="tx1">
                     <a:tint val="75000"/>
@@ -3727,16 +3911,66 @@
               <a:t> </a:t>
             </a:r>
             <a:r>
-              <a:rPr lang="en-US" sz="1500" i="1" dirty="0" smtClean="0">
+              <a:rPr lang="en-US" sz="2400" dirty="0">
                 <a:solidFill>
                   <a:schemeClr val="tx1">
                     <a:tint val="75000"/>
                   </a:schemeClr>
                 </a:solidFill>
               </a:rPr>
-              <a:t>Wireframe for first 3 features</a:t>
-            </a:r>
-            <a:endParaRPr lang="en-US" sz="1500" i="1" dirty="0">
+              <a:t> </a:t>
+            </a:r>
+            <a:r>
+              <a:rPr lang="en-US" sz="2400" dirty="0" smtClean="0">
+                <a:solidFill>
+                  <a:schemeClr val="tx1">
+                    <a:tint val="75000"/>
+                  </a:schemeClr>
+                </a:solidFill>
+              </a:rPr>
+              <a:t>List of </a:t>
+            </a:r>
+            <a:r>
+              <a:rPr lang="en-US" sz="2400" dirty="0" smtClean="0">
+                <a:solidFill>
+                  <a:schemeClr val="tx1">
+                    <a:tint val="75000"/>
+                  </a:schemeClr>
+                </a:solidFill>
+              </a:rPr>
+              <a:t>government officials</a:t>
+            </a:r>
+            <a:r>
+              <a:rPr lang="en-US" sz="2400" dirty="0" smtClean="0">
+                <a:solidFill>
+                  <a:schemeClr val="tx1">
+                    <a:tint val="75000"/>
+                  </a:schemeClr>
+                </a:solidFill>
+              </a:rPr>
+              <a:t>’ categorized </a:t>
+            </a:r>
+            <a:r>
+              <a:rPr lang="en-US" sz="2400" dirty="0">
+                <a:solidFill>
+                  <a:schemeClr val="tx1">
+                    <a:tint val="75000"/>
+                  </a:schemeClr>
+                </a:solidFill>
+              </a:rPr>
+              <a:t>by </a:t>
+            </a:r>
+            <a:r>
+              <a:rPr lang="en-US" sz="2400" dirty="0" smtClean="0">
+                <a:solidFill>
+                  <a:schemeClr val="tx1">
+                    <a:tint val="75000"/>
+                  </a:schemeClr>
+                </a:solidFill>
+              </a:rPr>
+              <a:t>divisions and districts</a:t>
+            </a:r>
+            <a:endParaRPr lang="en-US" sz="2400" dirty="0" smtClean="0">
               <a:solidFill>
                 <a:schemeClr val="tx1">
                   <a:tint val="75000"/>
@@ -3745,57 +3979,95 @@
             </a:endParaRPr>
           </a:p>
           <a:p>
-            <a:pPr marL="231775" indent="-231775">
+            <a:endParaRPr lang="en-US" sz="2400" dirty="0" smtClean="0">
+              <a:solidFill>
+                <a:schemeClr val="tx1">
+                  <a:tint val="75000"/>
+                </a:schemeClr>
+              </a:solidFill>
+            </a:endParaRPr>
+          </a:p>
+          <a:p>
+            <a:pPr>
               <a:buFont typeface="Arial" pitchFamily="34" charset="0"/>
               <a:buChar char="•"/>
             </a:pPr>
             <a:r>
-              <a:rPr lang="en-US" sz="1500" i="1" dirty="0" smtClean="0">
+              <a:rPr lang="en-US" sz="2400" dirty="0">
                 <a:solidFill>
                   <a:schemeClr val="tx1">
                     <a:tint val="75000"/>
                   </a:schemeClr>
                 </a:solidFill>
               </a:rPr>
-              <a:t> Graphics for the 1</a:t>
-            </a:r>
-            <a:r>
-              <a:rPr lang="en-US" sz="1500" i="1" baseline="30000" dirty="0" smtClean="0">
+              <a:t> </a:t>
+            </a:r>
+            <a:r>
+              <a:rPr lang="en-US" sz="2400" dirty="0" smtClean="0">
                 <a:solidFill>
                   <a:schemeClr val="tx1">
                     <a:tint val="75000"/>
                   </a:schemeClr>
                 </a:solidFill>
               </a:rPr>
-              <a:t>st</a:t>
-            </a:r>
-            <a:r>
-              <a:rPr lang="en-US" sz="1500" i="1" dirty="0" smtClean="0">
+              <a:t>Officials’ contact info </a:t>
+            </a:r>
+          </a:p>
+          <a:p>
+            <a:endParaRPr lang="en-US" sz="2400" dirty="0" smtClean="0">
+              <a:solidFill>
+                <a:schemeClr val="tx1">
+                  <a:tint val="75000"/>
+                </a:schemeClr>
+              </a:solidFill>
+            </a:endParaRPr>
+          </a:p>
+          <a:p>
+            <a:pPr>
+              <a:buFont typeface="Arial" pitchFamily="34" charset="0"/>
+              <a:buChar char="•"/>
+            </a:pPr>
+            <a:r>
+              <a:rPr lang="en-US" sz="2400" dirty="0" smtClean="0">
                 <a:solidFill>
                   <a:schemeClr val="tx1">
                     <a:tint val="75000"/>
                   </a:schemeClr>
                 </a:solidFill>
               </a:rPr>
-              <a:t> feature</a:t>
-            </a:r>
-          </a:p>
-          <a:p>
-            <a:pPr marL="231775" indent="-231775">
-              <a:buFont typeface="Arial" pitchFamily="34" charset="0"/>
-              <a:buChar char="•"/>
-            </a:pPr>
-            <a:r>
-              <a:rPr lang="en-US" sz="1500" i="1" dirty="0" smtClean="0">
+              <a:t> Direct </a:t>
+            </a:r>
+            <a:r>
+              <a:rPr lang="en-US" sz="2400" dirty="0" smtClean="0">
                 <a:solidFill>
                   <a:schemeClr val="tx1">
                     <a:tint val="75000"/>
                   </a:schemeClr>
                 </a:solidFill>
               </a:rPr>
-              <a:t> etc</a:t>
-            </a:r>
-            <a:endParaRPr lang="en-US" sz="1500" i="1" dirty="0">
+              <a:t>calling, SMS and email sending facility </a:t>
+            </a:r>
+            <a:r>
+              <a:rPr lang="en-US" sz="2400" dirty="0" smtClean="0">
+                <a:solidFill>
+                  <a:schemeClr val="tx1">
+                    <a:tint val="75000"/>
+                  </a:schemeClr>
+                </a:solidFill>
+              </a:rPr>
+              <a:t>just by one </a:t>
+            </a:r>
+            <a:r>
+              <a:rPr lang="en-US" sz="2400" dirty="0" smtClean="0">
+                <a:solidFill>
+                  <a:schemeClr val="tx1">
+                    <a:tint val="75000"/>
+                  </a:schemeClr>
+                </a:solidFill>
+              </a:rPr>
+              <a:t>touch</a:t>
+            </a:r>
+            <a:endParaRPr lang="en-US" sz="2400" dirty="0">
               <a:solidFill>
                 <a:schemeClr val="tx1">
                   <a:tint val="75000"/>
@@ -3852,7 +4124,7 @@
         </p:nvSpPr>
         <p:spPr>
           <a:xfrm>
-            <a:off x="685800" y="-95250"/>
+            <a:off x="1555" y="0"/>
             <a:ext cx="7772400" cy="1102519"/>
           </a:xfrm>
         </p:spPr>
@@ -3878,58 +4150,140 @@
       </p:sp>
       <p:sp>
         <p:nvSpPr>
-          <p:cNvPr id="3" name="Subtitle 2"/>
-          <p:cNvSpPr>
-            <a:spLocks noGrp="1"/>
-          </p:cNvSpPr>
-          <p:nvPr>
-            <p:ph type="subTitle" idx="1"/>
-          </p:nvPr>
+          <p:cNvPr id="6" name="Right Arrow 5"/>
+          <p:cNvSpPr/>
+          <p:nvPr/>
         </p:nvSpPr>
         <p:spPr>
           <a:xfrm>
-            <a:off x="1371600" y="2364580"/>
-            <a:ext cx="6400800" cy="1314450"/>
+            <a:off x="3429000" y="2190750"/>
+            <a:ext cx="1981200" cy="1066800"/>
           </a:xfrm>
+          <a:prstGeom prst="rightArrow">
+            <a:avLst/>
+          </a:prstGeom>
         </p:spPr>
-        <p:txBody>
-          <a:bodyPr>
-            <a:normAutofit/>
-          </a:bodyPr>
-          <a:lstStyle/>
-          <a:p>
-            <a:r>
-              <a:rPr lang="en-US" dirty="0" smtClean="0">
+        <p:style>
+          <a:lnRef idx="2">
+            <a:schemeClr val="accent1">
+              <a:shade val="50000"/>
+            </a:schemeClr>
+          </a:lnRef>
+          <a:fillRef idx="1">
+            <a:schemeClr val="accent1"/>
+          </a:fillRef>
+          <a:effectRef idx="0">
+            <a:schemeClr val="accent1"/>
+          </a:effectRef>
+          <a:fontRef idx="minor">
+            <a:schemeClr val="lt1"/>
+          </a:fontRef>
+        </p:style>
+        <p:txBody>
+          <a:bodyPr rtlCol="0" anchor="ctr"/>
+          <a:lstStyle/>
+          <a:p>
+            <a:pPr algn="ctr"/>
+            <a:endParaRPr lang="en-US"/>
+          </a:p>
+        </p:txBody>
+      </p:sp>
+      <p:pic>
+        <p:nvPicPr>
+          <p:cNvPr id="1028" name="Picture 4"/>
+          <p:cNvPicPr>
+            <a:picLocks noChangeAspect="1" noChangeArrowheads="1"/>
+          </p:cNvPicPr>
+          <p:nvPr/>
+        </p:nvPicPr>
+        <p:blipFill>
+          <a:blip r:embed="rId2" cstate="print">
+            <a:extLst>
+              <a:ext uri="{28A0092B-C50C-407E-A947-70E740481C1C}">
+                <a14:useLocalDpi xmlns:a14="http://schemas.microsoft.com/office/drawing/2010/main" xmlns="" val="0"/>
+              </a:ext>
+            </a:extLst>
+          </a:blip>
+          <a:srcRect/>
+          <a:stretch>
+            <a:fillRect/>
+          </a:stretch>
+        </p:blipFill>
+        <p:spPr bwMode="auto">
+          <a:xfrm>
+            <a:off x="5867400" y="971550"/>
+            <a:ext cx="1817382" cy="3605213"/>
+          </a:xfrm>
+          <a:prstGeom prst="rect">
+            <a:avLst/>
+          </a:prstGeom>
+          <a:noFill/>
+          <a:ln>
+            <a:noFill/>
+          </a:ln>
+          <a:effectLst/>
+          <a:extLst>
+            <a:ext uri="{909E8E84-426E-40DD-AFC4-6F175D3DCCD1}">
+              <a14:hiddenFill xmlns:a14="http://schemas.microsoft.com/office/drawing/2010/main" xmlns="">
                 <a:solidFill>
-                  <a:schemeClr val="tx2">
-                    <a:lumMod val="60000"/>
-                    <a:lumOff val="40000"/>
-                  </a:schemeClr>
+                  <a:schemeClr val="accent1"/>
                 </a:solidFill>
-              </a:rPr>
-              <a:t>(Add 3 to 15 screen shots </a:t>
-            </a:r>
-          </a:p>
-          <a:p>
-            <a:r>
-              <a:rPr lang="en-US" dirty="0" smtClean="0">
+              </a14:hiddenFill>
+            </a:ext>
+            <a:ext uri="{91240B29-F687-4F45-9708-019B960494DF}">
+              <a14:hiddenLine xmlns:a14="http://schemas.microsoft.com/office/drawing/2010/main" xmlns="" w="9525">
                 <a:solidFill>
-                  <a:schemeClr val="tx2">
-                    <a:lumMod val="60000"/>
-                    <a:lumOff val="40000"/>
-                  </a:schemeClr>
+                  <a:schemeClr val="tx1"/>
                 </a:solidFill>
-              </a:rPr>
-              <a:t>in consecutive slides)</a:t>
-            </a:r>
-            <a:r>
-              <a:rPr lang="en-US" dirty="0" smtClean="0"/>
-              <a:t>  </a:t>
-            </a:r>
-            <a:endParaRPr lang="en-US" dirty="0"/>
-          </a:p>
-        </p:txBody>
-      </p:sp>
+                <a:miter lim="800000"/>
+                <a:headEnd/>
+                <a:tailEnd/>
+              </a14:hiddenLine>
+            </a:ext>
+            <a:ext uri="{AF507438-7753-43E0-B8FC-AC1667EBCBE1}">
+              <a14:hiddenEffects xmlns:a14="http://schemas.microsoft.com/office/drawing/2010/main" xmlns="">
+                <a:effectLst>
+                  <a:outerShdw dist="35921" dir="2700000" algn="ctr" rotWithShape="0">
+                    <a:schemeClr val="bg2"/>
+                  </a:outerShdw>
+                </a:effectLst>
+              </a14:hiddenEffects>
+            </a:ext>
+          </a:extLst>
+        </p:spPr>
+      </p:pic>
+      <p:pic>
+        <p:nvPicPr>
+          <p:cNvPr id="2051" name="Picture 3"/>
+          <p:cNvPicPr>
+            <a:picLocks noChangeAspect="1" noChangeArrowheads="1"/>
+          </p:cNvPicPr>
+          <p:nvPr/>
+        </p:nvPicPr>
+        <p:blipFill>
+          <a:blip r:embed="rId3" cstate="print"/>
+          <a:srcRect/>
+          <a:stretch>
+            <a:fillRect/>
+          </a:stretch>
+        </p:blipFill>
+        <p:spPr bwMode="auto">
+          <a:xfrm>
+            <a:off x="1143000" y="1047750"/>
+            <a:ext cx="1790700" cy="3638550"/>
+          </a:xfrm>
+          <a:prstGeom prst="rect">
+            <a:avLst/>
+          </a:prstGeom>
+          <a:noFill/>
+          <a:ln w="9525">
+            <a:noFill/>
+            <a:miter lim="800000"/>
+            <a:headEnd/>
+            <a:tailEnd/>
+          </a:ln>
+        </p:spPr>
+      </p:pic>
     </p:spTree>
   </p:cSld>
   <p:clrMapOvr>
@@ -3977,7 +4331,7 @@
         </p:nvSpPr>
         <p:spPr>
           <a:xfrm>
-            <a:off x="685800" y="209550"/>
+            <a:off x="1555" y="0"/>
             <a:ext cx="7772400" cy="1102519"/>
           </a:xfrm>
         </p:spPr>
@@ -3991,7 +4345,7 @@
                   <a:srgbClr val="FFC000"/>
                 </a:solidFill>
               </a:rPr>
-              <a:t>Final Vision</a:t>
+              <a:t>What we developed in GDG</a:t>
             </a:r>
             <a:endParaRPr lang="en-US" b="1" dirty="0">
               <a:solidFill>
@@ -4001,170 +4355,170 @@
           </a:p>
         </p:txBody>
       </p:sp>
-      <p:sp>
-        <p:nvSpPr>
-          <p:cNvPr id="3" name="Subtitle 2"/>
-          <p:cNvSpPr>
-            <a:spLocks noGrp="1"/>
-          </p:cNvSpPr>
-          <p:nvPr>
-            <p:ph type="subTitle" idx="1"/>
-          </p:nvPr>
-        </p:nvSpPr>
-        <p:spPr>
+      <p:pic>
+        <p:nvPicPr>
+          <p:cNvPr id="4098" name="Picture 2" descr="G:\c tumpa\Android\Projects\GDG\wire-frame\frame images\6.PNG"/>
+          <p:cNvPicPr>
+            <a:picLocks noChangeAspect="1" noChangeArrowheads="1"/>
+          </p:cNvPicPr>
+          <p:nvPr/>
+        </p:nvPicPr>
+        <p:blipFill>
+          <a:blip r:embed="rId2" cstate="print"/>
+          <a:srcRect/>
+          <a:stretch>
+            <a:fillRect/>
+          </a:stretch>
+        </p:blipFill>
+        <p:spPr bwMode="auto">
           <a:xfrm>
-            <a:off x="1371600" y="1526380"/>
-            <a:ext cx="6400800" cy="1314450"/>
-          </a:xfrm>
-        </p:spPr>
-        <p:txBody>
-          <a:bodyPr>
-            <a:normAutofit fontScale="92500" lnSpcReduction="20000"/>
-          </a:bodyPr>
-          <a:lstStyle/>
-          <a:p>
-            <a:r>
-              <a:rPr lang="en-US" dirty="0" smtClean="0">
-                <a:solidFill>
-                  <a:schemeClr val="tx2">
-                    <a:lumMod val="60000"/>
-                    <a:lumOff val="40000"/>
-                  </a:schemeClr>
-                </a:solidFill>
-              </a:rPr>
-              <a:t>(What will your final product consist of? How long will it take to deliver?)</a:t>
-            </a:r>
-          </a:p>
-          <a:p>
-            <a:r>
-              <a:rPr lang="en-US" i="1" dirty="0" smtClean="0"/>
-              <a:t>Ex. </a:t>
-            </a:r>
-            <a:r>
-              <a:rPr lang="en-US" dirty="0" smtClean="0"/>
-              <a:t>  </a:t>
-            </a:r>
-            <a:endParaRPr lang="en-US" dirty="0"/>
-          </a:p>
-        </p:txBody>
-      </p:sp>
-      <p:sp>
-        <p:nvSpPr>
-          <p:cNvPr id="4" name="Rectangle 3"/>
-          <p:cNvSpPr/>
-          <p:nvPr/>
-        </p:nvSpPr>
-        <p:spPr>
-          <a:xfrm>
-            <a:off x="3352800" y="2952750"/>
-            <a:ext cx="2438400" cy="553998"/>
+            <a:off x="685800" y="971550"/>
+            <a:ext cx="1828800" cy="3742207"/>
           </a:xfrm>
           <a:prstGeom prst="rect">
             <a:avLst/>
           </a:prstGeom>
+          <a:noFill/>
         </p:spPr>
-        <p:txBody>
-          <a:bodyPr wrap="square">
-            <a:spAutoFit/>
-          </a:bodyPr>
-          <a:lstStyle/>
-          <a:p>
-            <a:pPr>
-              <a:buFont typeface="Arial" pitchFamily="34" charset="0"/>
-              <a:buChar char="•"/>
-            </a:pPr>
-            <a:r>
-              <a:rPr lang="en-US" sz="1500" i="1" dirty="0" smtClean="0">
-                <a:solidFill>
-                  <a:schemeClr val="tx1">
-                    <a:tint val="75000"/>
-                  </a:schemeClr>
-                </a:solidFill>
-              </a:rPr>
-              <a:t> National agricultural map</a:t>
-            </a:r>
-          </a:p>
-          <a:p>
-            <a:pPr>
-              <a:buFont typeface="Arial" pitchFamily="34" charset="0"/>
-              <a:buChar char="•"/>
-            </a:pPr>
-            <a:r>
-              <a:rPr lang="en-US" sz="1500" i="1" dirty="0">
-                <a:solidFill>
-                  <a:schemeClr val="tx1">
-                    <a:tint val="75000"/>
-                  </a:schemeClr>
-                </a:solidFill>
-              </a:rPr>
-              <a:t> </a:t>
-            </a:r>
-            <a:r>
-              <a:rPr lang="en-US" sz="1500" i="1" dirty="0" smtClean="0">
-                <a:solidFill>
-                  <a:schemeClr val="tx1">
-                    <a:tint val="75000"/>
-                  </a:schemeClr>
-                </a:solidFill>
-              </a:rPr>
-              <a:t>Synchronized transaction</a:t>
-            </a:r>
-            <a:endParaRPr lang="en-US" sz="1500" i="1" dirty="0">
-              <a:solidFill>
-                <a:schemeClr val="tx1">
-                  <a:tint val="75000"/>
-                </a:schemeClr>
-              </a:solidFill>
-            </a:endParaRPr>
-          </a:p>
-        </p:txBody>
-      </p:sp>
-      <p:sp>
-        <p:nvSpPr>
-          <p:cNvPr id="5" name="Rectangle 4"/>
-          <p:cNvSpPr/>
+      </p:pic>
+      <p:pic>
+        <p:nvPicPr>
+          <p:cNvPr id="4099" name="Picture 3" descr="G:\c tumpa\Android\Projects\GDG\wire-frame\frame images\7.PNG"/>
+          <p:cNvPicPr>
+            <a:picLocks noChangeAspect="1" noChangeArrowheads="1"/>
+          </p:cNvPicPr>
           <p:nvPr/>
-        </p:nvSpPr>
-        <p:spPr>
+        </p:nvPicPr>
+        <p:blipFill>
+          <a:blip r:embed="rId3" cstate="print"/>
+          <a:srcRect/>
+          <a:stretch>
+            <a:fillRect/>
+          </a:stretch>
+        </p:blipFill>
+        <p:spPr bwMode="auto">
           <a:xfrm>
-            <a:off x="3352800" y="3486150"/>
-            <a:ext cx="2438400" cy="323165"/>
+            <a:off x="3581400" y="895350"/>
+            <a:ext cx="1834262" cy="3733800"/>
           </a:xfrm>
           <a:prstGeom prst="rect">
             <a:avLst/>
           </a:prstGeom>
+          <a:noFill/>
         </p:spPr>
-        <p:txBody>
-          <a:bodyPr wrap="square">
-            <a:spAutoFit/>
-          </a:bodyPr>
-          <a:lstStyle/>
-          <a:p>
-            <a:pPr>
-              <a:buFont typeface="Arial" pitchFamily="34" charset="0"/>
-              <a:buChar char="•"/>
-            </a:pPr>
-            <a:r>
-              <a:rPr lang="en-US" sz="1500" i="1" dirty="0" smtClean="0">
-                <a:solidFill>
-                  <a:schemeClr val="tx1">
-                    <a:tint val="75000"/>
-                  </a:schemeClr>
-                </a:solidFill>
-              </a:rPr>
-              <a:t> 90 Working Days</a:t>
-            </a:r>
-            <a:endParaRPr lang="en-US" sz="1500" i="1" dirty="0">
-              <a:solidFill>
-                <a:schemeClr val="tx1">
-                  <a:tint val="75000"/>
-                </a:schemeClr>
-              </a:solidFill>
-            </a:endParaRPr>
+      </p:pic>
+      <p:pic>
+        <p:nvPicPr>
+          <p:cNvPr id="4100" name="Picture 4" descr="G:\c tumpa\Android\Projects\GDG\wire-frame\frame images\8.PNG"/>
+          <p:cNvPicPr>
+            <a:picLocks noChangeAspect="1" noChangeArrowheads="1"/>
+          </p:cNvPicPr>
+          <p:nvPr/>
+        </p:nvPicPr>
+        <p:blipFill>
+          <a:blip r:embed="rId4" cstate="print"/>
+          <a:srcRect/>
+          <a:stretch>
+            <a:fillRect/>
+          </a:stretch>
+        </p:blipFill>
+        <p:spPr bwMode="auto">
+          <a:xfrm>
+            <a:off x="6629400" y="895350"/>
+            <a:ext cx="1828800" cy="3670433"/>
+          </a:xfrm>
+          <a:prstGeom prst="rect">
+            <a:avLst/>
+          </a:prstGeom>
+          <a:noFill/>
+        </p:spPr>
+      </p:pic>
+      <p:sp>
+        <p:nvSpPr>
+          <p:cNvPr id="7" name="Right Arrow 6"/>
+          <p:cNvSpPr/>
+          <p:nvPr/>
+        </p:nvSpPr>
+        <p:spPr>
+          <a:xfrm>
+            <a:off x="2743200" y="2647950"/>
+            <a:ext cx="685800" cy="457200"/>
+          </a:xfrm>
+          <a:prstGeom prst="rightArrow">
+            <a:avLst/>
+          </a:prstGeom>
+        </p:spPr>
+        <p:style>
+          <a:lnRef idx="2">
+            <a:schemeClr val="accent1">
+              <a:shade val="50000"/>
+            </a:schemeClr>
+          </a:lnRef>
+          <a:fillRef idx="1">
+            <a:schemeClr val="accent1"/>
+          </a:fillRef>
+          <a:effectRef idx="0">
+            <a:schemeClr val="accent1"/>
+          </a:effectRef>
+          <a:fontRef idx="minor">
+            <a:schemeClr val="lt1"/>
+          </a:fontRef>
+        </p:style>
+        <p:txBody>
+          <a:bodyPr rtlCol="0" anchor="ctr"/>
+          <a:lstStyle/>
+          <a:p>
+            <a:pPr algn="ctr"/>
+            <a:endParaRPr lang="en-US"/>
+          </a:p>
+        </p:txBody>
+      </p:sp>
+      <p:sp>
+        <p:nvSpPr>
+          <p:cNvPr id="8" name="Right Arrow 7"/>
+          <p:cNvSpPr/>
+          <p:nvPr/>
+        </p:nvSpPr>
+        <p:spPr>
+          <a:xfrm>
+            <a:off x="5715000" y="2647950"/>
+            <a:ext cx="685800" cy="457200"/>
+          </a:xfrm>
+          <a:prstGeom prst="rightArrow">
+            <a:avLst/>
+          </a:prstGeom>
+        </p:spPr>
+        <p:style>
+          <a:lnRef idx="2">
+            <a:schemeClr val="accent1">
+              <a:shade val="50000"/>
+            </a:schemeClr>
+          </a:lnRef>
+          <a:fillRef idx="1">
+            <a:schemeClr val="accent1"/>
+          </a:fillRef>
+          <a:effectRef idx="0">
+            <a:schemeClr val="accent1"/>
+          </a:effectRef>
+          <a:fontRef idx="minor">
+            <a:schemeClr val="lt1"/>
+          </a:fontRef>
+        </p:style>
+        <p:txBody>
+          <a:bodyPr rtlCol="0" anchor="ctr"/>
+          <a:lstStyle/>
+          <a:p>
+            <a:pPr algn="ctr"/>
+            <a:endParaRPr lang="en-US"/>
           </a:p>
         </p:txBody>
       </p:sp>
     </p:spTree>
+    <p:extLst>
+      <p:ext uri="{BB962C8B-B14F-4D97-AF65-F5344CB8AC3E}">
+        <p14:creationId xmlns:p14="http://schemas.microsoft.com/office/powerpoint/2010/main" xmlns="" val="2360747067"/>
+      </p:ext>
+    </p:extLst>
   </p:cSld>
   <p:clrMapOvr>
     <a:masterClrMapping/>
@@ -4211,12 +4565,14 @@
         </p:nvSpPr>
         <p:spPr>
           <a:xfrm>
-            <a:off x="685800" y="1047750"/>
+            <a:off x="1555" y="0"/>
             <a:ext cx="7772400" cy="1102519"/>
           </a:xfrm>
         </p:spPr>
         <p:txBody>
-          <a:bodyPr/>
+          <a:bodyPr>
+            <a:normAutofit fontScale="90000"/>
+          </a:bodyPr>
           <a:lstStyle/>
           <a:p>
             <a:r>
@@ -4225,7 +4581,15 @@
                   <a:srgbClr val="FFC000"/>
                 </a:solidFill>
               </a:rPr>
-              <a:t>Supports We Need</a:t>
+              <a:t>              What </a:t>
+            </a:r>
+            <a:r>
+              <a:rPr lang="en-US" b="1" dirty="0" smtClean="0">
+                <a:solidFill>
+                  <a:srgbClr val="FFC000"/>
+                </a:solidFill>
+              </a:rPr>
+              <a:t>we developed in GDG</a:t>
             </a:r>
             <a:endParaRPr lang="en-US" b="1" dirty="0">
               <a:solidFill>
@@ -4235,54 +4599,170 @@
           </a:p>
         </p:txBody>
       </p:sp>
-      <p:sp>
-        <p:nvSpPr>
-          <p:cNvPr id="3" name="Subtitle 2"/>
-          <p:cNvSpPr>
-            <a:spLocks noGrp="1"/>
-          </p:cNvSpPr>
-          <p:nvPr>
-            <p:ph type="subTitle" idx="1"/>
-          </p:nvPr>
+      <p:pic>
+        <p:nvPicPr>
+          <p:cNvPr id="3074" name="Picture 2" descr="G:\c tumpa\Android\Projects\GDG\wire-frame\frame images\3.PNG"/>
+          <p:cNvPicPr>
+            <a:picLocks noChangeAspect="1" noChangeArrowheads="1"/>
+          </p:cNvPicPr>
+          <p:nvPr/>
+        </p:nvPicPr>
+        <p:blipFill>
+          <a:blip r:embed="rId2" cstate="print"/>
+          <a:srcRect/>
+          <a:stretch>
+            <a:fillRect/>
+          </a:stretch>
+        </p:blipFill>
+        <p:spPr bwMode="auto">
+          <a:xfrm>
+            <a:off x="762000" y="971550"/>
+            <a:ext cx="1876305" cy="3855531"/>
+          </a:xfrm>
+          <a:prstGeom prst="rect">
+            <a:avLst/>
+          </a:prstGeom>
+          <a:noFill/>
+        </p:spPr>
+      </p:pic>
+      <p:pic>
+        <p:nvPicPr>
+          <p:cNvPr id="3075" name="Picture 3" descr="G:\c tumpa\Android\Projects\GDG\wire-frame\frame images\4.PNG"/>
+          <p:cNvPicPr>
+            <a:picLocks noChangeAspect="1" noChangeArrowheads="1"/>
+          </p:cNvPicPr>
+          <p:nvPr/>
+        </p:nvPicPr>
+        <p:blipFill>
+          <a:blip r:embed="rId3" cstate="print"/>
+          <a:srcRect/>
+          <a:stretch>
+            <a:fillRect/>
+          </a:stretch>
+        </p:blipFill>
+        <p:spPr bwMode="auto">
+          <a:xfrm>
+            <a:off x="3810000" y="971550"/>
+            <a:ext cx="1909923" cy="3875320"/>
+          </a:xfrm>
+          <a:prstGeom prst="rect">
+            <a:avLst/>
+          </a:prstGeom>
+          <a:noFill/>
+        </p:spPr>
+      </p:pic>
+      <p:pic>
+        <p:nvPicPr>
+          <p:cNvPr id="3076" name="Picture 4" descr="G:\c tumpa\Android\Projects\GDG\wire-frame\frame images\5.PNG"/>
+          <p:cNvPicPr>
+            <a:picLocks noChangeAspect="1" noChangeArrowheads="1"/>
+          </p:cNvPicPr>
+          <p:nvPr/>
+        </p:nvPicPr>
+        <p:blipFill>
+          <a:blip r:embed="rId4" cstate="print"/>
+          <a:srcRect/>
+          <a:stretch>
+            <a:fillRect/>
+          </a:stretch>
+        </p:blipFill>
+        <p:spPr bwMode="auto">
+          <a:xfrm>
+            <a:off x="6858000" y="971550"/>
+            <a:ext cx="1922100" cy="3924624"/>
+          </a:xfrm>
+          <a:prstGeom prst="rect">
+            <a:avLst/>
+          </a:prstGeom>
+          <a:noFill/>
+        </p:spPr>
+      </p:pic>
+      <p:sp>
+        <p:nvSpPr>
+          <p:cNvPr id="7" name="Right Arrow 6"/>
+          <p:cNvSpPr/>
+          <p:nvPr/>
         </p:nvSpPr>
         <p:spPr>
           <a:xfrm>
-            <a:off x="1371600" y="2364580"/>
-            <a:ext cx="6400800" cy="1314450"/>
+            <a:off x="2895600" y="2571750"/>
+            <a:ext cx="685800" cy="381000"/>
           </a:xfrm>
+          <a:prstGeom prst="rightArrow">
+            <a:avLst/>
+          </a:prstGeom>
         </p:spPr>
-        <p:txBody>
-          <a:bodyPr>
-            <a:normAutofit fontScale="85000" lnSpcReduction="10000"/>
-          </a:bodyPr>
-          <a:lstStyle/>
-          <a:p>
-            <a:r>
-              <a:rPr lang="en-US" dirty="0" smtClean="0">
-                <a:solidFill>
-                  <a:schemeClr val="tx2">
-                    <a:lumMod val="60000"/>
-                    <a:lumOff val="40000"/>
-                  </a:schemeClr>
-                </a:solidFill>
-              </a:rPr>
-              <a:t>(What support do you need to deliver the final product?)</a:t>
-            </a:r>
-          </a:p>
-          <a:p>
-            <a:r>
-              <a:rPr lang="en-US" i="1" dirty="0" smtClean="0"/>
-              <a:t>Ex. APIs, Database Access, Partnerships etc. </a:t>
-            </a:r>
-            <a:r>
-              <a:rPr lang="en-US" dirty="0" smtClean="0"/>
-              <a:t>  </a:t>
-            </a:r>
-            <a:endParaRPr lang="en-US" dirty="0"/>
+        <p:style>
+          <a:lnRef idx="2">
+            <a:schemeClr val="accent1">
+              <a:shade val="50000"/>
+            </a:schemeClr>
+          </a:lnRef>
+          <a:fillRef idx="1">
+            <a:schemeClr val="accent1"/>
+          </a:fillRef>
+          <a:effectRef idx="0">
+            <a:schemeClr val="accent1"/>
+          </a:effectRef>
+          <a:fontRef idx="minor">
+            <a:schemeClr val="lt1"/>
+          </a:fontRef>
+        </p:style>
+        <p:txBody>
+          <a:bodyPr rtlCol="0" anchor="ctr"/>
+          <a:lstStyle/>
+          <a:p>
+            <a:pPr algn="ctr"/>
+            <a:endParaRPr lang="en-US"/>
+          </a:p>
+        </p:txBody>
+      </p:sp>
+      <p:sp>
+        <p:nvSpPr>
+          <p:cNvPr id="8" name="Right Arrow 7"/>
+          <p:cNvSpPr/>
+          <p:nvPr/>
+        </p:nvSpPr>
+        <p:spPr>
+          <a:xfrm>
+            <a:off x="5943600" y="2647950"/>
+            <a:ext cx="685800" cy="381000"/>
+          </a:xfrm>
+          <a:prstGeom prst="rightArrow">
+            <a:avLst/>
+          </a:prstGeom>
+        </p:spPr>
+        <p:style>
+          <a:lnRef idx="2">
+            <a:schemeClr val="accent1">
+              <a:shade val="50000"/>
+            </a:schemeClr>
+          </a:lnRef>
+          <a:fillRef idx="1">
+            <a:schemeClr val="accent1"/>
+          </a:fillRef>
+          <a:effectRef idx="0">
+            <a:schemeClr val="accent1"/>
+          </a:effectRef>
+          <a:fontRef idx="minor">
+            <a:schemeClr val="lt1"/>
+          </a:fontRef>
+        </p:style>
+        <p:txBody>
+          <a:bodyPr rtlCol="0" anchor="ctr"/>
+          <a:lstStyle/>
+          <a:p>
+            <a:pPr algn="ctr"/>
+            <a:endParaRPr lang="en-US"/>
           </a:p>
         </p:txBody>
       </p:sp>
     </p:spTree>
+    <p:extLst>
+      <p:ext uri="{BB962C8B-B14F-4D97-AF65-F5344CB8AC3E}">
+        <p14:creationId xmlns:p14="http://schemas.microsoft.com/office/powerpoint/2010/main" xmlns="" val="2162142058"/>
+      </p:ext>
+    </p:extLst>
   </p:cSld>
   <p:clrMapOvr>
     <a:masterClrMapping/>
@@ -4290,6 +4770,13 @@
   <p:transition>
     <p:fade/>
   </p:transition>
+  <p:timing>
+    <p:tnLst>
+      <p:par>
+        <p:cTn id="1" dur="indefinite" restart="never" nodeType="tmRoot"/>
+      </p:par>
+    </p:tnLst>
+  </p:timing>
 </p:sld>
 </file>
 
@@ -4322,7 +4809,7 @@
         </p:nvSpPr>
         <p:spPr>
           <a:xfrm>
-            <a:off x="685800" y="1047750"/>
+            <a:off x="685800" y="209550"/>
             <a:ext cx="7772400" cy="1102519"/>
           </a:xfrm>
         </p:spPr>
@@ -4336,7 +4823,7 @@
                   <a:srgbClr val="FFC000"/>
                 </a:solidFill>
               </a:rPr>
-              <a:t>Team Details</a:t>
+              <a:t>Final Vision</a:t>
             </a:r>
             <a:endParaRPr lang="en-US" b="1" dirty="0">
               <a:solidFill>
@@ -4358,71 +4845,107 @@
         </p:nvSpPr>
         <p:spPr>
           <a:xfrm>
-            <a:off x="1371600" y="2364580"/>
-            <a:ext cx="6400800" cy="1314450"/>
+            <a:off x="1371600" y="1504950"/>
+            <a:ext cx="6477000" cy="3124200"/>
           </a:xfrm>
         </p:spPr>
         <p:txBody>
           <a:bodyPr>
-            <a:normAutofit/>
+            <a:normAutofit fontScale="92500" lnSpcReduction="20000"/>
           </a:bodyPr>
           <a:lstStyle/>
           <a:p>
-            <a:r>
-              <a:rPr lang="en-US" dirty="0" smtClean="0">
-                <a:solidFill>
-                  <a:schemeClr val="tx2">
-                    <a:lumMod val="60000"/>
-                    <a:lumOff val="40000"/>
-                  </a:schemeClr>
-                </a:solidFill>
-              </a:rPr>
-              <a:t>(Name, Contact for all members. </a:t>
-            </a:r>
-          </a:p>
-          <a:p>
-            <a:r>
-              <a:rPr lang="en-US" dirty="0" smtClean="0">
-                <a:solidFill>
-                  <a:schemeClr val="tx2">
-                    <a:lumMod val="60000"/>
-                    <a:lumOff val="40000"/>
-                  </a:schemeClr>
-                </a:solidFill>
-              </a:rPr>
-              <a:t>Focal Person and </a:t>
-            </a:r>
-            <a:r>
-              <a:rPr lang="en-US" dirty="0" err="1" smtClean="0">
-                <a:solidFill>
-                  <a:schemeClr val="tx2">
-                    <a:lumMod val="60000"/>
-                    <a:lumOff val="40000"/>
-                  </a:schemeClr>
-                </a:solidFill>
-              </a:rPr>
-              <a:t>Git</a:t>
-            </a:r>
-            <a:r>
-              <a:rPr lang="en-US" dirty="0" smtClean="0">
-                <a:solidFill>
-                  <a:schemeClr val="tx2">
-                    <a:lumMod val="60000"/>
-                    <a:lumOff val="40000"/>
-                  </a:schemeClr>
-                </a:solidFill>
-              </a:rPr>
-              <a:t> Link)</a:t>
-            </a:r>
-            <a:r>
-              <a:rPr lang="en-US" i="1" dirty="0" smtClean="0"/>
+            <a:pPr marL="457200" indent="-457200" algn="l">
+              <a:buFont typeface="Arial" pitchFamily="34" charset="0"/>
+              <a:buChar char="•"/>
+            </a:pPr>
+            <a:r>
+              <a:rPr lang="en-US" dirty="0" smtClean="0"/>
+              <a:t>Direct search option</a:t>
+            </a:r>
+            <a:endParaRPr lang="en-US" dirty="0"/>
+          </a:p>
+          <a:p>
+            <a:pPr marL="457200" indent="-457200" algn="l">
+              <a:buFont typeface="Arial" pitchFamily="34" charset="0"/>
+              <a:buChar char="•"/>
+            </a:pPr>
+            <a:endParaRPr lang="en-US" dirty="0" smtClean="0"/>
+          </a:p>
+          <a:p>
+            <a:pPr marL="457200" indent="-457200" algn="l">
+              <a:buFont typeface="Arial" pitchFamily="34" charset="0"/>
+              <a:buChar char="•"/>
+            </a:pPr>
+            <a:r>
+              <a:rPr lang="en-US" dirty="0" smtClean="0"/>
+              <a:t>Include</a:t>
+            </a:r>
+            <a:r>
+              <a:rPr lang="en-US" dirty="0" smtClean="0"/>
               <a:t> </a:t>
             </a:r>
             <a:r>
               <a:rPr lang="en-US" dirty="0" smtClean="0"/>
-              <a:t>  </a:t>
-            </a:r>
-            <a:endParaRPr lang="en-US" dirty="0"/>
+              <a:t>contact info all officials, not only </a:t>
+            </a:r>
+            <a:r>
+              <a:rPr lang="en-US" dirty="0" smtClean="0"/>
+              <a:t>government</a:t>
+            </a:r>
+          </a:p>
+          <a:p>
+            <a:pPr marL="457200" indent="-457200" algn="l">
+              <a:buFont typeface="Arial" pitchFamily="34" charset="0"/>
+              <a:buChar char="•"/>
+            </a:pPr>
+            <a:endParaRPr lang="en-US" dirty="0" smtClean="0"/>
+          </a:p>
+          <a:p>
+            <a:pPr marL="457200" indent="-457200" algn="l">
+              <a:buFont typeface="Arial" pitchFamily="34" charset="0"/>
+              <a:buChar char="•"/>
+            </a:pPr>
+            <a:r>
+              <a:rPr lang="en-US" dirty="0" smtClean="0"/>
+              <a:t>Include </a:t>
+            </a:r>
+            <a:r>
+              <a:rPr lang="en-US" dirty="0" smtClean="0"/>
+              <a:t>list of all offices according to the </a:t>
+            </a:r>
+            <a:r>
+              <a:rPr lang="en-US" dirty="0" smtClean="0"/>
+              <a:t>districts</a:t>
+            </a:r>
+          </a:p>
+          <a:p>
+            <a:pPr marL="457200" indent="-457200" algn="l">
+              <a:buFont typeface="Arial" pitchFamily="34" charset="0"/>
+              <a:buChar char="•"/>
+            </a:pPr>
+            <a:endParaRPr lang="en-US" dirty="0" smtClean="0"/>
+          </a:p>
+          <a:p>
+            <a:pPr marL="457200" indent="-457200" algn="l">
+              <a:buFont typeface="Arial" pitchFamily="34" charset="0"/>
+              <a:buChar char="•"/>
+            </a:pPr>
+            <a:endParaRPr lang="en-US" dirty="0" smtClean="0"/>
+          </a:p>
+          <a:p>
+            <a:pPr marL="457200" indent="-457200" algn="l">
+              <a:buFont typeface="Arial" pitchFamily="34" charset="0"/>
+              <a:buChar char="•"/>
+            </a:pPr>
+            <a:endParaRPr lang="en-US" dirty="0" smtClean="0"/>
+          </a:p>
+          <a:p>
+            <a:pPr marL="457200" indent="-457200" algn="l">
+              <a:buFont typeface="Arial" pitchFamily="34" charset="0"/>
+              <a:buChar char="•"/>
+            </a:pPr>
+            <a:endParaRPr lang="en-US" dirty="0" smtClean="0"/>
           </a:p>
         </p:txBody>
       </p:sp>
@@ -4434,6 +4957,126 @@
   <p:transition>
     <p:fade/>
   </p:transition>
+  <p:timing>
+    <p:tnLst>
+      <p:par>
+        <p:cTn id="1" dur="indefinite" restart="never" nodeType="tmRoot"/>
+      </p:par>
+    </p:tnLst>
+  </p:timing>
+</p:sld>
+</file>
+
+<file path=ppt/slides/slide9.xml><?xml version="1.0" encoding="utf-8"?>
+<p:sld xmlns:a="http://schemas.openxmlformats.org/drawingml/2006/main" xmlns:r="http://schemas.openxmlformats.org/officeDocument/2006/relationships" xmlns:p="http://schemas.openxmlformats.org/presentationml/2006/main">
+  <p:cSld>
+    <p:spTree>
+      <p:nvGrpSpPr>
+        <p:cNvPr id="1" name=""/>
+        <p:cNvGrpSpPr/>
+        <p:nvPr/>
+      </p:nvGrpSpPr>
+      <p:grpSpPr>
+        <a:xfrm>
+          <a:off x="0" y="0"/>
+          <a:ext cx="0" cy="0"/>
+          <a:chOff x="0" y="0"/>
+          <a:chExt cx="0" cy="0"/>
+        </a:xfrm>
+      </p:grpSpPr>
+      <p:sp>
+        <p:nvSpPr>
+          <p:cNvPr id="2" name="Title 1"/>
+          <p:cNvSpPr>
+            <a:spLocks noGrp="1"/>
+          </p:cNvSpPr>
+          <p:nvPr>
+            <p:ph type="ctrTitle"/>
+          </p:nvPr>
+        </p:nvSpPr>
+        <p:spPr>
+          <a:xfrm>
+            <a:off x="685800" y="1047750"/>
+            <a:ext cx="7772400" cy="1102519"/>
+          </a:xfrm>
+        </p:spPr>
+        <p:txBody>
+          <a:bodyPr/>
+          <a:lstStyle/>
+          <a:p>
+            <a:r>
+              <a:rPr lang="en-US" b="1" dirty="0" smtClean="0">
+                <a:solidFill>
+                  <a:srgbClr val="FFC000"/>
+                </a:solidFill>
+              </a:rPr>
+              <a:t>Supports We Need</a:t>
+            </a:r>
+            <a:endParaRPr lang="en-US" b="1" dirty="0">
+              <a:solidFill>
+                <a:srgbClr val="FFC000"/>
+              </a:solidFill>
+            </a:endParaRPr>
+          </a:p>
+        </p:txBody>
+      </p:sp>
+      <p:sp>
+        <p:nvSpPr>
+          <p:cNvPr id="3" name="Subtitle 2"/>
+          <p:cNvSpPr>
+            <a:spLocks noGrp="1"/>
+          </p:cNvSpPr>
+          <p:nvPr>
+            <p:ph type="subTitle" idx="1"/>
+          </p:nvPr>
+        </p:nvSpPr>
+        <p:spPr>
+          <a:xfrm>
+            <a:off x="1371600" y="2364580"/>
+            <a:ext cx="6400800" cy="1314450"/>
+          </a:xfrm>
+        </p:spPr>
+        <p:txBody>
+          <a:bodyPr>
+            <a:normAutofit/>
+          </a:bodyPr>
+          <a:lstStyle/>
+          <a:p>
+            <a:pPr marL="457200" indent="-457200" algn="l">
+              <a:buFont typeface="Wingdings" pitchFamily="2" charset="2"/>
+              <a:buChar char="q"/>
+            </a:pPr>
+            <a:r>
+              <a:rPr lang="en-US" dirty="0" smtClean="0"/>
+              <a:t> </a:t>
+            </a:r>
+            <a:r>
+              <a:rPr lang="en-US" dirty="0" smtClean="0"/>
+              <a:t>Database </a:t>
+            </a:r>
+            <a:r>
+              <a:rPr lang="en-US" dirty="0" smtClean="0"/>
+              <a:t>Access of officials’ contact information</a:t>
+            </a:r>
+            <a:endParaRPr lang="en-US" dirty="0"/>
+          </a:p>
+        </p:txBody>
+      </p:sp>
+    </p:spTree>
+  </p:cSld>
+  <p:clrMapOvr>
+    <a:masterClrMapping/>
+  </p:clrMapOvr>
+  <p:transition>
+    <p:fade/>
+  </p:transition>
+  <p:timing>
+    <p:tnLst>
+      <p:par>
+        <p:cTn id="1" dur="indefinite" restart="never" nodeType="tmRoot"/>
+      </p:par>
+    </p:tnLst>
+  </p:timing>
 </p:sld>
 </file>
 
@@ -4761,4 +5404,47 @@
     </a:folHlink>
   </a:clrScheme>
 </a:themeOverride>
+</file>
+
+<file path=ppt/theme/themeOverride2.xml><?xml version="1.0" encoding="utf-8"?>
+<a:themeOverride xmlns:a="http://schemas.openxmlformats.org/drawingml/2006/main">
+  <a:clrScheme name="Office">
+    <a:dk1>
+      <a:sysClr val="windowText" lastClr="000000"/>
+    </a:dk1>
+    <a:lt1>
+      <a:sysClr val="window" lastClr="FFFFFF"/>
+    </a:lt1>
+    <a:dk2>
+      <a:srgbClr val="1F497D"/>
+    </a:dk2>
+    <a:lt2>
+      <a:srgbClr val="EEECE1"/>
+    </a:lt2>
+    <a:accent1>
+      <a:srgbClr val="4F81BD"/>
+    </a:accent1>
+    <a:accent2>
+      <a:srgbClr val="C0504D"/>
+    </a:accent2>
+    <a:accent3>
+      <a:srgbClr val="9BBB59"/>
+    </a:accent3>
+    <a:accent4>
+      <a:srgbClr val="8064A2"/>
+    </a:accent4>
+    <a:accent5>
+      <a:srgbClr val="4BACC6"/>
+    </a:accent5>
+    <a:accent6>
+      <a:srgbClr val="F79646"/>
+    </a:accent6>
+    <a:hlink>
+      <a:srgbClr val="0000FF"/>
+    </a:hlink>
+    <a:folHlink>
+      <a:srgbClr val="800080"/>
+    </a:folHlink>
+  </a:clrScheme>
+</a:themeOverride>
 </file>